--- a/projects/android_malware_detection/MobiSPC21_slides_for_presentation_2.pptx
+++ b/projects/android_malware_detection/MobiSPC21_slides_for_presentation_2.pptx
@@ -4692,7 +4692,7 @@
           <a:p>
             <a:fld id="{1AD07E1F-755E-4CF4-8F8D-9E291CA9A0B9}" type="datetimeFigureOut">
               <a:rPr lang="en-US" smtClean="0"/>
-              <a:t>7/19/2025</a:t>
+              <a:t>8/7/2025</a:t>
             </a:fld>
             <a:endParaRPr lang="en-US"/>
           </a:p>
@@ -5224,7 +5224,7 @@
           <a:p>
             <a:fld id="{F8B5B1A0-A60F-414C-B9B9-8BFFA5B75AE9}" type="datetime1">
               <a:rPr lang="en-US" smtClean="0"/>
-              <a:t>7/19/2025</a:t>
+              <a:t>8/7/2025</a:t>
             </a:fld>
             <a:endParaRPr lang="en-US"/>
           </a:p>
@@ -5392,7 +5392,7 @@
           <a:p>
             <a:fld id="{65463906-AFF9-4B69-A012-96CB84C56C27}" type="datetime1">
               <a:rPr lang="en-US" smtClean="0"/>
-              <a:t>7/19/2025</a:t>
+              <a:t>8/7/2025</a:t>
             </a:fld>
             <a:endParaRPr lang="en-US"/>
           </a:p>
@@ -5570,7 +5570,7 @@
           <a:p>
             <a:fld id="{0CB5A7FA-7321-42BA-9519-2E8439CE703B}" type="datetime1">
               <a:rPr lang="en-US" smtClean="0"/>
-              <a:t>7/19/2025</a:t>
+              <a:t>8/7/2025</a:t>
             </a:fld>
             <a:endParaRPr lang="en-US"/>
           </a:p>
@@ -5795,7 +5795,7 @@
           <a:p>
             <a:fld id="{BA25851A-F64E-43C0-9B47-3E868C11F0C7}" type="datetime1">
               <a:rPr lang="en-US" smtClean="0"/>
-              <a:t>7/19/2025</a:t>
+              <a:t>8/7/2025</a:t>
             </a:fld>
             <a:endParaRPr lang="en-US"/>
           </a:p>
@@ -6040,7 +6040,7 @@
           <a:p>
             <a:fld id="{18B9407F-ED68-4D6F-AB23-89529FCA357E}" type="datetime1">
               <a:rPr lang="en-US" smtClean="0"/>
-              <a:t>7/19/2025</a:t>
+              <a:t>8/7/2025</a:t>
             </a:fld>
             <a:endParaRPr lang="en-US"/>
           </a:p>
@@ -6269,7 +6269,7 @@
           <a:p>
             <a:fld id="{A7F631FF-434D-4718-8577-FC222EACB8F2}" type="datetime1">
               <a:rPr lang="en-US" smtClean="0"/>
-              <a:t>7/19/2025</a:t>
+              <a:t>8/7/2025</a:t>
             </a:fld>
             <a:endParaRPr lang="en-US"/>
           </a:p>
@@ -6633,7 +6633,7 @@
           <a:p>
             <a:fld id="{3A213C9F-16D6-4672-A4B6-EAE359667EF8}" type="datetime1">
               <a:rPr lang="en-US" smtClean="0"/>
-              <a:t>7/19/2025</a:t>
+              <a:t>8/7/2025</a:t>
             </a:fld>
             <a:endParaRPr lang="en-US"/>
           </a:p>
@@ -6750,7 +6750,7 @@
           <a:p>
             <a:fld id="{9CF1F275-D6C4-4479-A0BB-025F91340979}" type="datetime1">
               <a:rPr lang="en-US" smtClean="0"/>
-              <a:t>7/19/2025</a:t>
+              <a:t>8/7/2025</a:t>
             </a:fld>
             <a:endParaRPr lang="en-US"/>
           </a:p>
@@ -6845,7 +6845,7 @@
           <a:p>
             <a:fld id="{EDD738C4-BF0F-47E4-9109-F0EF085C1515}" type="datetime1">
               <a:rPr lang="en-US" smtClean="0"/>
-              <a:t>7/19/2025</a:t>
+              <a:t>8/7/2025</a:t>
             </a:fld>
             <a:endParaRPr lang="en-US"/>
           </a:p>
@@ -7120,7 +7120,7 @@
           <a:p>
             <a:fld id="{E2A582DA-55AF-4E66-8795-6224285B17DE}" type="datetime1">
               <a:rPr lang="en-US" smtClean="0"/>
-              <a:t>7/19/2025</a:t>
+              <a:t>8/7/2025</a:t>
             </a:fld>
             <a:endParaRPr lang="en-US"/>
           </a:p>
@@ -7372,7 +7372,7 @@
           <a:p>
             <a:fld id="{A1D5DEE7-6D18-494E-86AC-AAA99D87165A}" type="datetime1">
               <a:rPr lang="en-US" smtClean="0"/>
-              <a:t>7/19/2025</a:t>
+              <a:t>8/7/2025</a:t>
             </a:fld>
             <a:endParaRPr lang="en-US"/>
           </a:p>
@@ -7592,7 +7592,7 @@
           <a:p>
             <a:fld id="{58129CC8-E658-407B-9F2C-A6E44B115CBF}" type="datetime1">
               <a:rPr lang="en-US" smtClean="0"/>
-              <a:t>7/19/2025</a:t>
+              <a:t>8/7/2025</a:t>
             </a:fld>
             <a:endParaRPr lang="en-US"/>
           </a:p>
@@ -8007,7 +8007,7 @@
         </p:nvSpPr>
         <p:spPr>
           <a:xfrm>
-            <a:off x="1282629" y="1305140"/>
+            <a:off x="1282628" y="1735829"/>
             <a:ext cx="9144000" cy="2907473"/>
           </a:xfrm>
           <a:prstGeom prst="rect">
@@ -8762,8 +8762,8 @@
         </p:nvSpPr>
         <p:spPr>
           <a:xfrm>
-            <a:off x="1282628" y="3046785"/>
-            <a:ext cx="9791771" cy="3139321"/>
+            <a:off x="1193625" y="3787621"/>
+            <a:ext cx="9791771" cy="1661993"/>
           </a:xfrm>
           <a:prstGeom prst="rect">
             <a:avLst/>
@@ -8777,6 +8777,56 @@
           <a:lstStyle/>
           <a:p>
             <a:pPr lvl="0" algn="ctr">
+              <a:buSzPts val="1400"/>
+            </a:pPr>
+            <a:r>
+              <a:rPr lang="en-US" dirty="0">
+                <a:solidFill>
+                  <a:schemeClr val="accent1">
+                    <a:lumMod val="50000"/>
+                  </a:schemeClr>
+                </a:solidFill>
+              </a:rPr>
+              <a:t>Muhammad Zubair Hasan</a:t>
+            </a:r>
+            <a:r>
+              <a:rPr lang="en-US" baseline="30000" dirty="0">
+                <a:solidFill>
+                  <a:schemeClr val="accent1">
+                    <a:lumMod val="50000"/>
+                  </a:schemeClr>
+                </a:solidFill>
+              </a:rPr>
+              <a:t>1</a:t>
+            </a:r>
+          </a:p>
+          <a:p>
+            <a:pPr algn="ctr">
+              <a:buSzPts val="1400"/>
+            </a:pPr>
+            <a:r>
+              <a:rPr lang="en-US" dirty="0">
+                <a:solidFill>
+                  <a:schemeClr val="accent1">
+                    <a:lumMod val="50000"/>
+                  </a:schemeClr>
+                </a:solidFill>
+              </a:rPr>
+              <a:t>Fahmida Yasmin Rifat</a:t>
+            </a:r>
+            <a:r>
+              <a:rPr lang="en-US" baseline="30000" dirty="0">
+                <a:solidFill>
+                  <a:schemeClr val="accent1">
+                    <a:lumMod val="50000"/>
+                  </a:schemeClr>
+                </a:solidFill>
+              </a:rPr>
+              <a:t>1</a:t>
+            </a:r>
+          </a:p>
+          <a:p>
+            <a:pPr algn="ctr">
               <a:buSzPts val="1400"/>
             </a:pPr>
             <a:r>
@@ -8804,128 +8854,13 @@
             <a:pPr lvl="0" algn="ctr">
               <a:buSzPts val="1400"/>
             </a:pPr>
-            <a:r>
-              <a:rPr lang="en-US" dirty="0">
-                <a:solidFill>
-                  <a:schemeClr val="accent1">
-                    <a:lumMod val="50000"/>
-                  </a:schemeClr>
-                </a:solidFill>
-              </a:rPr>
-              <a:t>Fahmida Yasmin Rifat</a:t>
-            </a:r>
-            <a:r>
-              <a:rPr lang="en-US" baseline="30000" dirty="0">
-                <a:solidFill>
-                  <a:schemeClr val="accent1">
-                    <a:lumMod val="50000"/>
-                  </a:schemeClr>
-                </a:solidFill>
-              </a:rPr>
-              <a:t>1</a:t>
-            </a:r>
-          </a:p>
-          <a:p>
-            <a:pPr lvl="0" algn="ctr">
-              <a:buSzPts val="1400"/>
-            </a:pPr>
-            <a:r>
-              <a:rPr lang="en-US" dirty="0">
-                <a:solidFill>
-                  <a:schemeClr val="accent1">
-                    <a:lumMod val="50000"/>
-                  </a:schemeClr>
-                </a:solidFill>
-              </a:rPr>
-              <a:t>M</a:t>
-            </a:r>
-            <a:r>
-              <a:rPr lang="en-US">
-                <a:solidFill>
-                  <a:schemeClr val="accent1">
-                    <a:lumMod val="50000"/>
-                  </a:schemeClr>
-                </a:solidFill>
-              </a:rPr>
-              <a:t>uhammad </a:t>
-            </a:r>
-            <a:r>
-              <a:rPr lang="en-US" dirty="0">
-                <a:solidFill>
-                  <a:schemeClr val="accent1">
-                    <a:lumMod val="50000"/>
-                  </a:schemeClr>
-                </a:solidFill>
-              </a:rPr>
-              <a:t>Zubair Hasan</a:t>
-            </a:r>
-            <a:r>
-              <a:rPr lang="en-US" baseline="30000" dirty="0">
-                <a:solidFill>
-                  <a:schemeClr val="accent1">
-                    <a:lumMod val="50000"/>
-                  </a:schemeClr>
-                </a:solidFill>
-              </a:rPr>
-              <a:t>1</a:t>
-            </a:r>
-          </a:p>
-          <a:p>
-            <a:pPr lvl="0" algn="ctr">
-              <a:buSzPts val="1400"/>
-            </a:pPr>
-            <a:r>
-              <a:rPr lang="en-US" dirty="0">
-                <a:solidFill>
-                  <a:schemeClr val="accent1">
-                    <a:lumMod val="50000"/>
-                  </a:schemeClr>
-                </a:solidFill>
-              </a:rPr>
-              <a:t>Md. Shohrab Hossain</a:t>
-            </a:r>
-            <a:r>
-              <a:rPr lang="en-US" baseline="30000" dirty="0">
-                <a:solidFill>
-                  <a:schemeClr val="accent1">
-                    <a:lumMod val="50000"/>
-                  </a:schemeClr>
-                </a:solidFill>
-              </a:rPr>
-              <a:t>2</a:t>
-            </a:r>
-            <a:endParaRPr lang="en-US" dirty="0">
+            <a:endParaRPr lang="en-US" baseline="30000" dirty="0">
               <a:solidFill>
                 <a:schemeClr val="accent1">
                   <a:lumMod val="50000"/>
                 </a:schemeClr>
               </a:solidFill>
             </a:endParaRPr>
-          </a:p>
-          <a:p>
-            <a:pPr lvl="0" algn="ctr">
-              <a:buSzPts val="1400"/>
-            </a:pPr>
-            <a:r>
-              <a:rPr lang="en-US" dirty="0">
-                <a:solidFill>
-                  <a:schemeClr val="accent1">
-                    <a:lumMod val="50000"/>
-                  </a:schemeClr>
-                </a:solidFill>
-              </a:rPr>
-              <a:t>Husnu S. Narman</a:t>
-            </a:r>
-            <a:r>
-              <a:rPr lang="en-US" baseline="30000" dirty="0">
-                <a:solidFill>
-                  <a:schemeClr val="accent1">
-                    <a:lumMod val="50000"/>
-                  </a:schemeClr>
-                </a:solidFill>
-              </a:rPr>
-              <a:t>3</a:t>
-            </a:r>
           </a:p>
           <a:p>
             <a:r>
@@ -8949,115 +8884,8 @@
               <a:t>Department of Computer Science and Engineering, Military Institute of Science and Technology, Mirpur, Dhaka, Bangladesh.</a:t>
             </a:r>
           </a:p>
-          <a:p>
-            <a:r>
-              <a:rPr lang="en-US" baseline="30000" dirty="0">
-                <a:solidFill>
-                  <a:schemeClr val="accent1">
-                    <a:lumMod val="50000"/>
-                  </a:schemeClr>
-                </a:solidFill>
-              </a:rPr>
-              <a:t>2</a:t>
-            </a:r>
-            <a:r>
-              <a:rPr lang="en-US" dirty="0">
-                <a:solidFill>
-                  <a:schemeClr val="accent1">
-                    <a:lumMod val="50000"/>
-                  </a:schemeClr>
-                </a:solidFill>
-              </a:rPr>
-              <a:t>Department of Computer Science and Engineering, Bangladesh University of Engineering and Technology, Bangladesh.</a:t>
-            </a:r>
-          </a:p>
-          <a:p>
-            <a:r>
-              <a:rPr lang="en-US" baseline="30000" dirty="0">
-                <a:solidFill>
-                  <a:schemeClr val="accent1">
-                    <a:lumMod val="50000"/>
-                  </a:schemeClr>
-                </a:solidFill>
-              </a:rPr>
-              <a:t>3</a:t>
-            </a:r>
-            <a:r>
-              <a:rPr lang="en-US" dirty="0">
-                <a:solidFill>
-                  <a:schemeClr val="accent1">
-                    <a:lumMod val="50000"/>
-                  </a:schemeClr>
-                </a:solidFill>
-              </a:rPr>
-              <a:t>Weisberg Division of Computer Science, Marshall University, Huntington, WV, USA.</a:t>
-            </a:r>
-          </a:p>
-          <a:p>
-            <a:endParaRPr lang="en-US" dirty="0"/>
-          </a:p>
         </p:txBody>
       </p:sp>
-      <p:pic>
-        <p:nvPicPr>
-          <p:cNvPr id="16" name="Picture 15">
-            <a:extLst>
-              <a:ext uri="{FF2B5EF4-FFF2-40B4-BE49-F238E27FC236}">
-                <a16:creationId xmlns:a16="http://schemas.microsoft.com/office/drawing/2014/main" id="{3CED2519-81E3-49AA-B528-1B9FB0659C5B}"/>
-              </a:ext>
-            </a:extLst>
-          </p:cNvPr>
-          <p:cNvPicPr>
-            <a:picLocks noChangeAspect="1"/>
-          </p:cNvPicPr>
-          <p:nvPr/>
-        </p:nvPicPr>
-        <p:blipFill>
-          <a:blip r:embed="rId4"/>
-          <a:stretch>
-            <a:fillRect/>
-          </a:stretch>
-        </p:blipFill>
-        <p:spPr>
-          <a:xfrm>
-            <a:off x="0" y="5772149"/>
-            <a:ext cx="2883680" cy="1085850"/>
-          </a:xfrm>
-          <a:prstGeom prst="rect">
-            <a:avLst/>
-          </a:prstGeom>
-        </p:spPr>
-      </p:pic>
-      <p:pic>
-        <p:nvPicPr>
-          <p:cNvPr id="17" name="Picture 16">
-            <a:extLst>
-              <a:ext uri="{FF2B5EF4-FFF2-40B4-BE49-F238E27FC236}">
-                <a16:creationId xmlns:a16="http://schemas.microsoft.com/office/drawing/2014/main" id="{76BB7541-08BD-4DC5-9F4B-C06BD0C9B91D}"/>
-              </a:ext>
-            </a:extLst>
-          </p:cNvPr>
-          <p:cNvPicPr>
-            <a:picLocks noChangeAspect="1"/>
-          </p:cNvPicPr>
-          <p:nvPr/>
-        </p:nvPicPr>
-        <p:blipFill>
-          <a:blip r:embed="rId5"/>
-          <a:stretch>
-            <a:fillRect/>
-          </a:stretch>
-        </p:blipFill>
-        <p:spPr>
-          <a:xfrm>
-            <a:off x="9418321" y="5922702"/>
-            <a:ext cx="2774178" cy="935297"/>
-          </a:xfrm>
-          <a:prstGeom prst="rect">
-            <a:avLst/>
-          </a:prstGeom>
-        </p:spPr>
-      </p:pic>
     </p:spTree>
     <p:extLst>
       <p:ext uri="{BB962C8B-B14F-4D97-AF65-F5344CB8AC3E}">
@@ -10003,66 +9831,6 @@
           </a:prstGeom>
         </p:spPr>
       </p:pic>
-      <p:pic>
-        <p:nvPicPr>
-          <p:cNvPr id="23" name="Picture 22">
-            <a:extLst>
-              <a:ext uri="{FF2B5EF4-FFF2-40B4-BE49-F238E27FC236}">
-                <a16:creationId xmlns:a16="http://schemas.microsoft.com/office/drawing/2014/main" id="{3CED2519-81E3-49AA-B528-1B9FB0659C5B}"/>
-              </a:ext>
-            </a:extLst>
-          </p:cNvPr>
-          <p:cNvPicPr>
-            <a:picLocks noChangeAspect="1"/>
-          </p:cNvPicPr>
-          <p:nvPr/>
-        </p:nvPicPr>
-        <p:blipFill>
-          <a:blip r:embed="rId5"/>
-          <a:stretch>
-            <a:fillRect/>
-          </a:stretch>
-        </p:blipFill>
-        <p:spPr>
-          <a:xfrm>
-            <a:off x="-103883" y="5910054"/>
-            <a:ext cx="3089938" cy="910250"/>
-          </a:xfrm>
-          <a:prstGeom prst="rect">
-            <a:avLst/>
-          </a:prstGeom>
-        </p:spPr>
-      </p:pic>
-      <p:pic>
-        <p:nvPicPr>
-          <p:cNvPr id="24" name="Picture 23">
-            <a:extLst>
-              <a:ext uri="{FF2B5EF4-FFF2-40B4-BE49-F238E27FC236}">
-                <a16:creationId xmlns:a16="http://schemas.microsoft.com/office/drawing/2014/main" id="{76BB7541-08BD-4DC5-9F4B-C06BD0C9B91D}"/>
-              </a:ext>
-            </a:extLst>
-          </p:cNvPr>
-          <p:cNvPicPr>
-            <a:picLocks noChangeAspect="1"/>
-          </p:cNvPicPr>
-          <p:nvPr/>
-        </p:nvPicPr>
-        <p:blipFill>
-          <a:blip r:embed="rId6"/>
-          <a:stretch>
-            <a:fillRect/>
-          </a:stretch>
-        </p:blipFill>
-        <p:spPr>
-          <a:xfrm>
-            <a:off x="9363407" y="5989024"/>
-            <a:ext cx="2829092" cy="868976"/>
-          </a:xfrm>
-          <a:prstGeom prst="rect">
-            <a:avLst/>
-          </a:prstGeom>
-        </p:spPr>
-      </p:pic>
     </p:spTree>
     <p:extLst>
       <p:ext uri="{BB962C8B-B14F-4D97-AF65-F5344CB8AC3E}">
@@ -11526,66 +11294,6 @@
           </a:p>
         </p:txBody>
       </p:sp>
-      <p:pic>
-        <p:nvPicPr>
-          <p:cNvPr id="9" name="Picture 8">
-            <a:extLst>
-              <a:ext uri="{FF2B5EF4-FFF2-40B4-BE49-F238E27FC236}">
-                <a16:creationId xmlns:a16="http://schemas.microsoft.com/office/drawing/2014/main" id="{3CED2519-81E3-49AA-B528-1B9FB0659C5B}"/>
-              </a:ext>
-            </a:extLst>
-          </p:cNvPr>
-          <p:cNvPicPr>
-            <a:picLocks noChangeAspect="1"/>
-          </p:cNvPicPr>
-          <p:nvPr/>
-        </p:nvPicPr>
-        <p:blipFill>
-          <a:blip r:embed="rId5"/>
-          <a:stretch>
-            <a:fillRect/>
-          </a:stretch>
-        </p:blipFill>
-        <p:spPr>
-          <a:xfrm>
-            <a:off x="0" y="6008914"/>
-            <a:ext cx="2756263" cy="929434"/>
-          </a:xfrm>
-          <a:prstGeom prst="rect">
-            <a:avLst/>
-          </a:prstGeom>
-        </p:spPr>
-      </p:pic>
-      <p:pic>
-        <p:nvPicPr>
-          <p:cNvPr id="12" name="Picture 11">
-            <a:extLst>
-              <a:ext uri="{FF2B5EF4-FFF2-40B4-BE49-F238E27FC236}">
-                <a16:creationId xmlns:a16="http://schemas.microsoft.com/office/drawing/2014/main" id="{76BB7541-08BD-4DC5-9F4B-C06BD0C9B91D}"/>
-              </a:ext>
-            </a:extLst>
-          </p:cNvPr>
-          <p:cNvPicPr>
-            <a:picLocks noChangeAspect="1"/>
-          </p:cNvPicPr>
-          <p:nvPr/>
-        </p:nvPicPr>
-        <p:blipFill>
-          <a:blip r:embed="rId6"/>
-          <a:stretch>
-            <a:fillRect/>
-          </a:stretch>
-        </p:blipFill>
-        <p:spPr>
-          <a:xfrm>
-            <a:off x="9363407" y="5989024"/>
-            <a:ext cx="2829092" cy="868976"/>
-          </a:xfrm>
-          <a:prstGeom prst="rect">
-            <a:avLst/>
-          </a:prstGeom>
-        </p:spPr>
-      </p:pic>
     </p:spTree>
     <p:extLst>
       <p:ext uri="{BB962C8B-B14F-4D97-AF65-F5344CB8AC3E}">
@@ -12364,66 +12072,6 @@
           </a:p>
         </p:txBody>
       </p:sp>
-      <p:pic>
-        <p:nvPicPr>
-          <p:cNvPr id="7" name="Picture 6">
-            <a:extLst>
-              <a:ext uri="{FF2B5EF4-FFF2-40B4-BE49-F238E27FC236}">
-                <a16:creationId xmlns:a16="http://schemas.microsoft.com/office/drawing/2014/main" id="{3CED2519-81E3-49AA-B528-1B9FB0659C5B}"/>
-              </a:ext>
-            </a:extLst>
-          </p:cNvPr>
-          <p:cNvPicPr>
-            <a:picLocks noChangeAspect="1"/>
-          </p:cNvPicPr>
-          <p:nvPr/>
-        </p:nvPicPr>
-        <p:blipFill>
-          <a:blip r:embed="rId3"/>
-          <a:stretch>
-            <a:fillRect/>
-          </a:stretch>
-        </p:blipFill>
-        <p:spPr>
-          <a:xfrm>
-            <a:off x="3211" y="5772150"/>
-            <a:ext cx="3353944" cy="1085850"/>
-          </a:xfrm>
-          <a:prstGeom prst="rect">
-            <a:avLst/>
-          </a:prstGeom>
-        </p:spPr>
-      </p:pic>
-      <p:pic>
-        <p:nvPicPr>
-          <p:cNvPr id="8" name="Picture 7">
-            <a:extLst>
-              <a:ext uri="{FF2B5EF4-FFF2-40B4-BE49-F238E27FC236}">
-                <a16:creationId xmlns:a16="http://schemas.microsoft.com/office/drawing/2014/main" id="{76BB7541-08BD-4DC5-9F4B-C06BD0C9B91D}"/>
-              </a:ext>
-            </a:extLst>
-          </p:cNvPr>
-          <p:cNvPicPr>
-            <a:picLocks noChangeAspect="1"/>
-          </p:cNvPicPr>
-          <p:nvPr/>
-        </p:nvPicPr>
-        <p:blipFill>
-          <a:blip r:embed="rId4"/>
-          <a:stretch>
-            <a:fillRect/>
-          </a:stretch>
-        </p:blipFill>
-        <p:spPr>
-          <a:xfrm>
-            <a:off x="9363407" y="5989024"/>
-            <a:ext cx="2829092" cy="868976"/>
-          </a:xfrm>
-          <a:prstGeom prst="rect">
-            <a:avLst/>
-          </a:prstGeom>
-        </p:spPr>
-      </p:pic>
     </p:spTree>
     <p:extLst>
       <p:ext uri="{BB962C8B-B14F-4D97-AF65-F5344CB8AC3E}">
@@ -13235,66 +12883,6 @@
           </a:p>
         </p:txBody>
       </p:sp>
-      <p:pic>
-        <p:nvPicPr>
-          <p:cNvPr id="8" name="Picture 7">
-            <a:extLst>
-              <a:ext uri="{FF2B5EF4-FFF2-40B4-BE49-F238E27FC236}">
-                <a16:creationId xmlns:a16="http://schemas.microsoft.com/office/drawing/2014/main" id="{3CED2519-81E3-49AA-B528-1B9FB0659C5B}"/>
-              </a:ext>
-            </a:extLst>
-          </p:cNvPr>
-          <p:cNvPicPr>
-            <a:picLocks noChangeAspect="1"/>
-          </p:cNvPicPr>
-          <p:nvPr/>
-        </p:nvPicPr>
-        <p:blipFill>
-          <a:blip r:embed="rId3"/>
-          <a:stretch>
-            <a:fillRect/>
-          </a:stretch>
-        </p:blipFill>
-        <p:spPr>
-          <a:xfrm>
-            <a:off x="4" y="5989024"/>
-            <a:ext cx="3296416" cy="868976"/>
-          </a:xfrm>
-          <a:prstGeom prst="rect">
-            <a:avLst/>
-          </a:prstGeom>
-        </p:spPr>
-      </p:pic>
-      <p:pic>
-        <p:nvPicPr>
-          <p:cNvPr id="9" name="Picture 8">
-            <a:extLst>
-              <a:ext uri="{FF2B5EF4-FFF2-40B4-BE49-F238E27FC236}">
-                <a16:creationId xmlns:a16="http://schemas.microsoft.com/office/drawing/2014/main" id="{76BB7541-08BD-4DC5-9F4B-C06BD0C9B91D}"/>
-              </a:ext>
-            </a:extLst>
-          </p:cNvPr>
-          <p:cNvPicPr>
-            <a:picLocks noChangeAspect="1"/>
-          </p:cNvPicPr>
-          <p:nvPr/>
-        </p:nvPicPr>
-        <p:blipFill>
-          <a:blip r:embed="rId4"/>
-          <a:stretch>
-            <a:fillRect/>
-          </a:stretch>
-        </p:blipFill>
-        <p:spPr>
-          <a:xfrm>
-            <a:off x="9363407" y="5989024"/>
-            <a:ext cx="2829092" cy="868976"/>
-          </a:xfrm>
-          <a:prstGeom prst="rect">
-            <a:avLst/>
-          </a:prstGeom>
-        </p:spPr>
-      </p:pic>
     </p:spTree>
     <p:extLst>
       <p:ext uri="{BB962C8B-B14F-4D97-AF65-F5344CB8AC3E}">
@@ -16239,66 +15827,6 @@
           </a:prstGeom>
         </p:spPr>
       </p:pic>
-      <p:pic>
-        <p:nvPicPr>
-          <p:cNvPr id="37" name="Picture 36">
-            <a:extLst>
-              <a:ext uri="{FF2B5EF4-FFF2-40B4-BE49-F238E27FC236}">
-                <a16:creationId xmlns:a16="http://schemas.microsoft.com/office/drawing/2014/main" id="{3CED2519-81E3-49AA-B528-1B9FB0659C5B}"/>
-              </a:ext>
-            </a:extLst>
-          </p:cNvPr>
-          <p:cNvPicPr>
-            <a:picLocks noChangeAspect="1"/>
-          </p:cNvPicPr>
-          <p:nvPr/>
-        </p:nvPicPr>
-        <p:blipFill>
-          <a:blip r:embed="rId8"/>
-          <a:stretch>
-            <a:fillRect/>
-          </a:stretch>
-        </p:blipFill>
-        <p:spPr>
-          <a:xfrm>
-            <a:off x="0" y="5953495"/>
-            <a:ext cx="3389977" cy="1012683"/>
-          </a:xfrm>
-          <a:prstGeom prst="rect">
-            <a:avLst/>
-          </a:prstGeom>
-        </p:spPr>
-      </p:pic>
-      <p:pic>
-        <p:nvPicPr>
-          <p:cNvPr id="38" name="Picture 37">
-            <a:extLst>
-              <a:ext uri="{FF2B5EF4-FFF2-40B4-BE49-F238E27FC236}">
-                <a16:creationId xmlns:a16="http://schemas.microsoft.com/office/drawing/2014/main" id="{76BB7541-08BD-4DC5-9F4B-C06BD0C9B91D}"/>
-              </a:ext>
-            </a:extLst>
-          </p:cNvPr>
-          <p:cNvPicPr>
-            <a:picLocks noChangeAspect="1"/>
-          </p:cNvPicPr>
-          <p:nvPr/>
-        </p:nvPicPr>
-        <p:blipFill>
-          <a:blip r:embed="rId9"/>
-          <a:stretch>
-            <a:fillRect/>
-          </a:stretch>
-        </p:blipFill>
-        <p:spPr>
-          <a:xfrm>
-            <a:off x="9363407" y="5989024"/>
-            <a:ext cx="2829092" cy="868976"/>
-          </a:xfrm>
-          <a:prstGeom prst="rect">
-            <a:avLst/>
-          </a:prstGeom>
-        </p:spPr>
-      </p:pic>
     </p:spTree>
     <p:extLst>
       <p:ext uri="{BB962C8B-B14F-4D97-AF65-F5344CB8AC3E}">
@@ -17361,66 +16889,6 @@
           <a:xfrm>
             <a:off x="10765735" y="36841"/>
             <a:ext cx="1176130" cy="1092068"/>
-          </a:xfrm>
-          <a:prstGeom prst="rect">
-            <a:avLst/>
-          </a:prstGeom>
-        </p:spPr>
-      </p:pic>
-      <p:pic>
-        <p:nvPicPr>
-          <p:cNvPr id="6" name="Picture 5">
-            <a:extLst>
-              <a:ext uri="{FF2B5EF4-FFF2-40B4-BE49-F238E27FC236}">
-                <a16:creationId xmlns:a16="http://schemas.microsoft.com/office/drawing/2014/main" id="{3CED2519-81E3-49AA-B528-1B9FB0659C5B}"/>
-              </a:ext>
-            </a:extLst>
-          </p:cNvPr>
-          <p:cNvPicPr>
-            <a:picLocks noChangeAspect="1"/>
-          </p:cNvPicPr>
-          <p:nvPr/>
-        </p:nvPicPr>
-        <p:blipFill>
-          <a:blip r:embed="rId4"/>
-          <a:stretch>
-            <a:fillRect/>
-          </a:stretch>
-        </p:blipFill>
-        <p:spPr>
-          <a:xfrm>
-            <a:off x="1" y="5919028"/>
-            <a:ext cx="3383280" cy="938972"/>
-          </a:xfrm>
-          <a:prstGeom prst="rect">
-            <a:avLst/>
-          </a:prstGeom>
-        </p:spPr>
-      </p:pic>
-      <p:pic>
-        <p:nvPicPr>
-          <p:cNvPr id="7" name="Picture 6">
-            <a:extLst>
-              <a:ext uri="{FF2B5EF4-FFF2-40B4-BE49-F238E27FC236}">
-                <a16:creationId xmlns:a16="http://schemas.microsoft.com/office/drawing/2014/main" id="{76BB7541-08BD-4DC5-9F4B-C06BD0C9B91D}"/>
-              </a:ext>
-            </a:extLst>
-          </p:cNvPr>
-          <p:cNvPicPr>
-            <a:picLocks noChangeAspect="1"/>
-          </p:cNvPicPr>
-          <p:nvPr/>
-        </p:nvPicPr>
-        <p:blipFill>
-          <a:blip r:embed="rId5"/>
-          <a:stretch>
-            <a:fillRect/>
-          </a:stretch>
-        </p:blipFill>
-        <p:spPr>
-          <a:xfrm>
-            <a:off x="9363407" y="5989024"/>
-            <a:ext cx="2829092" cy="868976"/>
           </a:xfrm>
           <a:prstGeom prst="rect">
             <a:avLst/>
@@ -19199,66 +18667,6 @@
           </a:prstGeom>
         </p:spPr>
       </p:pic>
-      <p:pic>
-        <p:nvPicPr>
-          <p:cNvPr id="58" name="Picture 57">
-            <a:extLst>
-              <a:ext uri="{FF2B5EF4-FFF2-40B4-BE49-F238E27FC236}">
-                <a16:creationId xmlns:a16="http://schemas.microsoft.com/office/drawing/2014/main" id="{3CED2519-81E3-49AA-B528-1B9FB0659C5B}"/>
-              </a:ext>
-            </a:extLst>
-          </p:cNvPr>
-          <p:cNvPicPr>
-            <a:picLocks noChangeAspect="1"/>
-          </p:cNvPicPr>
-          <p:nvPr/>
-        </p:nvPicPr>
-        <p:blipFill>
-          <a:blip r:embed="rId3"/>
-          <a:stretch>
-            <a:fillRect/>
-          </a:stretch>
-        </p:blipFill>
-        <p:spPr>
-          <a:xfrm>
-            <a:off x="0" y="5989023"/>
-            <a:ext cx="2856581" cy="949325"/>
-          </a:xfrm>
-          <a:prstGeom prst="rect">
-            <a:avLst/>
-          </a:prstGeom>
-        </p:spPr>
-      </p:pic>
-      <p:pic>
-        <p:nvPicPr>
-          <p:cNvPr id="59" name="Picture 58">
-            <a:extLst>
-              <a:ext uri="{FF2B5EF4-FFF2-40B4-BE49-F238E27FC236}">
-                <a16:creationId xmlns:a16="http://schemas.microsoft.com/office/drawing/2014/main" id="{76BB7541-08BD-4DC5-9F4B-C06BD0C9B91D}"/>
-              </a:ext>
-            </a:extLst>
-          </p:cNvPr>
-          <p:cNvPicPr>
-            <a:picLocks noChangeAspect="1"/>
-          </p:cNvPicPr>
-          <p:nvPr/>
-        </p:nvPicPr>
-        <p:blipFill>
-          <a:blip r:embed="rId4"/>
-          <a:stretch>
-            <a:fillRect/>
-          </a:stretch>
-        </p:blipFill>
-        <p:spPr>
-          <a:xfrm>
-            <a:off x="9363407" y="5989024"/>
-            <a:ext cx="2829092" cy="868976"/>
-          </a:xfrm>
-          <a:prstGeom prst="rect">
-            <a:avLst/>
-          </a:prstGeom>
-        </p:spPr>
-      </p:pic>
     </p:spTree>
     <p:extLst>
       <p:ext uri="{BB962C8B-B14F-4D97-AF65-F5344CB8AC3E}">
@@ -19981,66 +19389,6 @@
           </a:p>
         </p:txBody>
       </p:sp>
-      <p:pic>
-        <p:nvPicPr>
-          <p:cNvPr id="14" name="Picture 13">
-            <a:extLst>
-              <a:ext uri="{FF2B5EF4-FFF2-40B4-BE49-F238E27FC236}">
-                <a16:creationId xmlns:a16="http://schemas.microsoft.com/office/drawing/2014/main" id="{3CED2519-81E3-49AA-B528-1B9FB0659C5B}"/>
-              </a:ext>
-            </a:extLst>
-          </p:cNvPr>
-          <p:cNvPicPr>
-            <a:picLocks noChangeAspect="1"/>
-          </p:cNvPicPr>
-          <p:nvPr/>
-        </p:nvPicPr>
-        <p:blipFill>
-          <a:blip r:embed="rId5"/>
-          <a:stretch>
-            <a:fillRect/>
-          </a:stretch>
-        </p:blipFill>
-        <p:spPr>
-          <a:xfrm>
-            <a:off x="0" y="5989023"/>
-            <a:ext cx="3030583" cy="949325"/>
-          </a:xfrm>
-          <a:prstGeom prst="rect">
-            <a:avLst/>
-          </a:prstGeom>
-        </p:spPr>
-      </p:pic>
-      <p:pic>
-        <p:nvPicPr>
-          <p:cNvPr id="17" name="Picture 16">
-            <a:extLst>
-              <a:ext uri="{FF2B5EF4-FFF2-40B4-BE49-F238E27FC236}">
-                <a16:creationId xmlns:a16="http://schemas.microsoft.com/office/drawing/2014/main" id="{76BB7541-08BD-4DC5-9F4B-C06BD0C9B91D}"/>
-              </a:ext>
-            </a:extLst>
-          </p:cNvPr>
-          <p:cNvPicPr>
-            <a:picLocks noChangeAspect="1"/>
-          </p:cNvPicPr>
-          <p:nvPr/>
-        </p:nvPicPr>
-        <p:blipFill>
-          <a:blip r:embed="rId6"/>
-          <a:stretch>
-            <a:fillRect/>
-          </a:stretch>
-        </p:blipFill>
-        <p:spPr>
-          <a:xfrm>
-            <a:off x="9363407" y="5989024"/>
-            <a:ext cx="2829092" cy="868976"/>
-          </a:xfrm>
-          <a:prstGeom prst="rect">
-            <a:avLst/>
-          </a:prstGeom>
-        </p:spPr>
-      </p:pic>
     </p:spTree>
     <p:extLst>
       <p:ext uri="{BB962C8B-B14F-4D97-AF65-F5344CB8AC3E}">
@@ -20781,66 +20129,6 @@
           </a:p>
         </p:txBody>
       </p:sp>
-      <p:pic>
-        <p:nvPicPr>
-          <p:cNvPr id="10" name="Picture 9">
-            <a:extLst>
-              <a:ext uri="{FF2B5EF4-FFF2-40B4-BE49-F238E27FC236}">
-                <a16:creationId xmlns:a16="http://schemas.microsoft.com/office/drawing/2014/main" id="{3CED2519-81E3-49AA-B528-1B9FB0659C5B}"/>
-              </a:ext>
-            </a:extLst>
-          </p:cNvPr>
-          <p:cNvPicPr>
-            <a:picLocks noChangeAspect="1"/>
-          </p:cNvPicPr>
-          <p:nvPr/>
-        </p:nvPicPr>
-        <p:blipFill>
-          <a:blip r:embed="rId6"/>
-          <a:stretch>
-            <a:fillRect/>
-          </a:stretch>
-        </p:blipFill>
-        <p:spPr>
-          <a:xfrm>
-            <a:off x="0" y="5989023"/>
-            <a:ext cx="2952206" cy="949325"/>
-          </a:xfrm>
-          <a:prstGeom prst="rect">
-            <a:avLst/>
-          </a:prstGeom>
-        </p:spPr>
-      </p:pic>
-      <p:pic>
-        <p:nvPicPr>
-          <p:cNvPr id="12" name="Picture 11">
-            <a:extLst>
-              <a:ext uri="{FF2B5EF4-FFF2-40B4-BE49-F238E27FC236}">
-                <a16:creationId xmlns:a16="http://schemas.microsoft.com/office/drawing/2014/main" id="{76BB7541-08BD-4DC5-9F4B-C06BD0C9B91D}"/>
-              </a:ext>
-            </a:extLst>
-          </p:cNvPr>
-          <p:cNvPicPr>
-            <a:picLocks noChangeAspect="1"/>
-          </p:cNvPicPr>
-          <p:nvPr/>
-        </p:nvPicPr>
-        <p:blipFill>
-          <a:blip r:embed="rId7"/>
-          <a:stretch>
-            <a:fillRect/>
-          </a:stretch>
-        </p:blipFill>
-        <p:spPr>
-          <a:xfrm>
-            <a:off x="9363407" y="5989024"/>
-            <a:ext cx="2829092" cy="868976"/>
-          </a:xfrm>
-          <a:prstGeom prst="rect">
-            <a:avLst/>
-          </a:prstGeom>
-        </p:spPr>
-      </p:pic>
     </p:spTree>
   </p:cSld>
   <p:clrMapOvr>
@@ -23022,66 +22310,6 @@
           <a:xfrm>
             <a:off x="10765735" y="36841"/>
             <a:ext cx="1176130" cy="1092068"/>
-          </a:xfrm>
-          <a:prstGeom prst="rect">
-            <a:avLst/>
-          </a:prstGeom>
-        </p:spPr>
-      </p:pic>
-      <p:pic>
-        <p:nvPicPr>
-          <p:cNvPr id="10" name="Picture 9">
-            <a:extLst>
-              <a:ext uri="{FF2B5EF4-FFF2-40B4-BE49-F238E27FC236}">
-                <a16:creationId xmlns:a16="http://schemas.microsoft.com/office/drawing/2014/main" id="{3CED2519-81E3-49AA-B528-1B9FB0659C5B}"/>
-              </a:ext>
-            </a:extLst>
-          </p:cNvPr>
-          <p:cNvPicPr>
-            <a:picLocks noChangeAspect="1"/>
-          </p:cNvPicPr>
-          <p:nvPr/>
-        </p:nvPicPr>
-        <p:blipFill>
-          <a:blip r:embed="rId3"/>
-          <a:stretch>
-            <a:fillRect/>
-          </a:stretch>
-        </p:blipFill>
-        <p:spPr>
-          <a:xfrm>
-            <a:off x="4" y="5989024"/>
-            <a:ext cx="3239585" cy="949324"/>
-          </a:xfrm>
-          <a:prstGeom prst="rect">
-            <a:avLst/>
-          </a:prstGeom>
-        </p:spPr>
-      </p:pic>
-      <p:pic>
-        <p:nvPicPr>
-          <p:cNvPr id="11" name="Picture 10">
-            <a:extLst>
-              <a:ext uri="{FF2B5EF4-FFF2-40B4-BE49-F238E27FC236}">
-                <a16:creationId xmlns:a16="http://schemas.microsoft.com/office/drawing/2014/main" id="{76BB7541-08BD-4DC5-9F4B-C06BD0C9B91D}"/>
-              </a:ext>
-            </a:extLst>
-          </p:cNvPr>
-          <p:cNvPicPr>
-            <a:picLocks noChangeAspect="1"/>
-          </p:cNvPicPr>
-          <p:nvPr/>
-        </p:nvPicPr>
-        <p:blipFill>
-          <a:blip r:embed="rId4"/>
-          <a:stretch>
-            <a:fillRect/>
-          </a:stretch>
-        </p:blipFill>
-        <p:spPr>
-          <a:xfrm>
-            <a:off x="9363407" y="5989024"/>
-            <a:ext cx="2829092" cy="868976"/>
           </a:xfrm>
           <a:prstGeom prst="rect">
             <a:avLst/>
@@ -24539,66 +23767,6 @@
           </a:p>
         </p:txBody>
       </p:sp>
-      <p:pic>
-        <p:nvPicPr>
-          <p:cNvPr id="28" name="Picture 27">
-            <a:extLst>
-              <a:ext uri="{FF2B5EF4-FFF2-40B4-BE49-F238E27FC236}">
-                <a16:creationId xmlns:a16="http://schemas.microsoft.com/office/drawing/2014/main" id="{3CED2519-81E3-49AA-B528-1B9FB0659C5B}"/>
-              </a:ext>
-            </a:extLst>
-          </p:cNvPr>
-          <p:cNvPicPr>
-            <a:picLocks noChangeAspect="1"/>
-          </p:cNvPicPr>
-          <p:nvPr/>
-        </p:nvPicPr>
-        <p:blipFill>
-          <a:blip r:embed="rId12"/>
-          <a:stretch>
-            <a:fillRect/>
-          </a:stretch>
-        </p:blipFill>
-        <p:spPr>
-          <a:xfrm>
-            <a:off x="0" y="5989023"/>
-            <a:ext cx="2798534" cy="949325"/>
-          </a:xfrm>
-          <a:prstGeom prst="rect">
-            <a:avLst/>
-          </a:prstGeom>
-        </p:spPr>
-      </p:pic>
-      <p:pic>
-        <p:nvPicPr>
-          <p:cNvPr id="29" name="Picture 28">
-            <a:extLst>
-              <a:ext uri="{FF2B5EF4-FFF2-40B4-BE49-F238E27FC236}">
-                <a16:creationId xmlns:a16="http://schemas.microsoft.com/office/drawing/2014/main" id="{76BB7541-08BD-4DC5-9F4B-C06BD0C9B91D}"/>
-              </a:ext>
-            </a:extLst>
-          </p:cNvPr>
-          <p:cNvPicPr>
-            <a:picLocks noChangeAspect="1"/>
-          </p:cNvPicPr>
-          <p:nvPr/>
-        </p:nvPicPr>
-        <p:blipFill>
-          <a:blip r:embed="rId13"/>
-          <a:stretch>
-            <a:fillRect/>
-          </a:stretch>
-        </p:blipFill>
-        <p:spPr>
-          <a:xfrm>
-            <a:off x="9363407" y="5989024"/>
-            <a:ext cx="2829092" cy="868976"/>
-          </a:xfrm>
-          <a:prstGeom prst="rect">
-            <a:avLst/>
-          </a:prstGeom>
-        </p:spPr>
-      </p:pic>
     </p:spTree>
     <p:extLst>
       <p:ext uri="{BB962C8B-B14F-4D97-AF65-F5344CB8AC3E}">
@@ -26580,66 +25748,6 @@
           </a:p>
         </p:txBody>
       </p:sp>
-      <p:pic>
-        <p:nvPicPr>
-          <p:cNvPr id="24" name="Picture 23">
-            <a:extLst>
-              <a:ext uri="{FF2B5EF4-FFF2-40B4-BE49-F238E27FC236}">
-                <a16:creationId xmlns:a16="http://schemas.microsoft.com/office/drawing/2014/main" id="{3CED2519-81E3-49AA-B528-1B9FB0659C5B}"/>
-              </a:ext>
-            </a:extLst>
-          </p:cNvPr>
-          <p:cNvPicPr>
-            <a:picLocks noChangeAspect="1"/>
-          </p:cNvPicPr>
-          <p:nvPr/>
-        </p:nvPicPr>
-        <p:blipFill>
-          <a:blip r:embed="rId11"/>
-          <a:stretch>
-            <a:fillRect/>
-          </a:stretch>
-        </p:blipFill>
-        <p:spPr>
-          <a:xfrm>
-            <a:off x="-94284" y="5989025"/>
-            <a:ext cx="2994238" cy="868976"/>
-          </a:xfrm>
-          <a:prstGeom prst="rect">
-            <a:avLst/>
-          </a:prstGeom>
-        </p:spPr>
-      </p:pic>
-      <p:pic>
-        <p:nvPicPr>
-          <p:cNvPr id="25" name="Picture 24">
-            <a:extLst>
-              <a:ext uri="{FF2B5EF4-FFF2-40B4-BE49-F238E27FC236}">
-                <a16:creationId xmlns:a16="http://schemas.microsoft.com/office/drawing/2014/main" id="{76BB7541-08BD-4DC5-9F4B-C06BD0C9B91D}"/>
-              </a:ext>
-            </a:extLst>
-          </p:cNvPr>
-          <p:cNvPicPr>
-            <a:picLocks noChangeAspect="1"/>
-          </p:cNvPicPr>
-          <p:nvPr/>
-        </p:nvPicPr>
-        <p:blipFill>
-          <a:blip r:embed="rId12"/>
-          <a:stretch>
-            <a:fillRect/>
-          </a:stretch>
-        </p:blipFill>
-        <p:spPr>
-          <a:xfrm>
-            <a:off x="9363407" y="5989024"/>
-            <a:ext cx="2829092" cy="868976"/>
-          </a:xfrm>
-          <a:prstGeom prst="rect">
-            <a:avLst/>
-          </a:prstGeom>
-        </p:spPr>
-      </p:pic>
     </p:spTree>
   </p:cSld>
   <p:clrMapOvr>
@@ -28373,66 +27481,6 @@
           <a:xfrm>
             <a:off x="10433957" y="89344"/>
             <a:ext cx="1552138" cy="1015663"/>
-          </a:xfrm>
-          <a:prstGeom prst="rect">
-            <a:avLst/>
-          </a:prstGeom>
-        </p:spPr>
-      </p:pic>
-      <p:pic>
-        <p:nvPicPr>
-          <p:cNvPr id="15" name="Picture 14">
-            <a:extLst>
-              <a:ext uri="{FF2B5EF4-FFF2-40B4-BE49-F238E27FC236}">
-                <a16:creationId xmlns:a16="http://schemas.microsoft.com/office/drawing/2014/main" id="{3CED2519-81E3-49AA-B528-1B9FB0659C5B}"/>
-              </a:ext>
-            </a:extLst>
-          </p:cNvPr>
-          <p:cNvPicPr>
-            <a:picLocks noChangeAspect="1"/>
-          </p:cNvPicPr>
-          <p:nvPr/>
-        </p:nvPicPr>
-        <p:blipFill>
-          <a:blip r:embed="rId12"/>
-          <a:stretch>
-            <a:fillRect/>
-          </a:stretch>
-        </p:blipFill>
-        <p:spPr>
-          <a:xfrm>
-            <a:off x="0" y="5989023"/>
-            <a:ext cx="2978331" cy="868977"/>
-          </a:xfrm>
-          <a:prstGeom prst="rect">
-            <a:avLst/>
-          </a:prstGeom>
-        </p:spPr>
-      </p:pic>
-      <p:pic>
-        <p:nvPicPr>
-          <p:cNvPr id="16" name="Picture 15">
-            <a:extLst>
-              <a:ext uri="{FF2B5EF4-FFF2-40B4-BE49-F238E27FC236}">
-                <a16:creationId xmlns:a16="http://schemas.microsoft.com/office/drawing/2014/main" id="{76BB7541-08BD-4DC5-9F4B-C06BD0C9B91D}"/>
-              </a:ext>
-            </a:extLst>
-          </p:cNvPr>
-          <p:cNvPicPr>
-            <a:picLocks noChangeAspect="1"/>
-          </p:cNvPicPr>
-          <p:nvPr/>
-        </p:nvPicPr>
-        <p:blipFill>
-          <a:blip r:embed="rId13"/>
-          <a:stretch>
-            <a:fillRect/>
-          </a:stretch>
-        </p:blipFill>
-        <p:spPr>
-          <a:xfrm>
-            <a:off x="9363407" y="5989024"/>
-            <a:ext cx="2829092" cy="868976"/>
           </a:xfrm>
           <a:prstGeom prst="rect">
             <a:avLst/>
